--- a/搜索线上索引图.pptx
+++ b/搜索线上索引图.pptx
@@ -5,7 +5,7 @@
     <p:sldMasterId id="2147483648" r:id="rId1"/>
   </p:sldMasterIdLst>
   <p:notesMasterIdLst>
-    <p:notesMasterId r:id="rId44"/>
+    <p:notesMasterId r:id="rId45"/>
   </p:notesMasterIdLst>
   <p:sldIdLst>
     <p:sldId id="256" r:id="rId2"/>
@@ -50,6 +50,7 @@
     <p:sldId id="297" r:id="rId41"/>
     <p:sldId id="298" r:id="rId42"/>
     <p:sldId id="288" r:id="rId43"/>
+    <p:sldId id="300" r:id="rId44"/>
   </p:sldIdLst>
   <p:sldSz cx="9144000" cy="6858000" type="screen4x3"/>
   <p:notesSz cx="6858000" cy="9144000"/>
@@ -1371,21 +1372,21 @@
     </dgm:pt>
   </dgm:ptLst>
   <dgm:cxnLst>
+    <dgm:cxn modelId="{117CA918-C677-438A-BB6B-449509D5BB74}" type="presOf" srcId="{7B69AE08-FDB3-4396-B9E0-70F4E2EF8493}" destId="{9E2CDD3F-7280-42EF-9F32-4758839CB433}" srcOrd="0" destOrd="0" presId="urn:microsoft.com/office/officeart/2005/8/layout/target2"/>
+    <dgm:cxn modelId="{32B89333-466E-4005-94EC-174966B462DA}" type="presOf" srcId="{C3A0221B-7F09-44D8-9040-021D47FD4B58}" destId="{DBF62664-5FC6-43DB-A3A7-F802B5C58693}" srcOrd="0" destOrd="0" presId="urn:microsoft.com/office/officeart/2005/8/layout/target2"/>
+    <dgm:cxn modelId="{5C4A9567-6E8C-43DA-9C26-8237DB019F0F}" type="presOf" srcId="{4660101F-BAD6-44EA-9726-4A02F442B497}" destId="{D46D9678-378C-4BB1-AA98-28FDA1C9F1D8}" srcOrd="0" destOrd="0" presId="urn:microsoft.com/office/officeart/2005/8/layout/target2"/>
+    <dgm:cxn modelId="{4DA1798A-53C5-43C6-93DB-B6296745A30B}" type="presOf" srcId="{6C1CFE81-06D0-4161-B222-BD6C857454CC}" destId="{2B0B833C-849D-4A9F-ADCB-F0151CE53ECD}" srcOrd="0" destOrd="0" presId="urn:microsoft.com/office/officeart/2005/8/layout/target2"/>
+    <dgm:cxn modelId="{1B626249-B3E1-4B34-862A-0CCAD0C37217}" type="presOf" srcId="{9481CA03-7B73-4C78-A6E3-79E1B4FE46D5}" destId="{8F0154EA-5B81-4A2F-AFE2-59B2BD5F1419}" srcOrd="0" destOrd="0" presId="urn:microsoft.com/office/officeart/2005/8/layout/target2"/>
+    <dgm:cxn modelId="{5AD544E6-C46F-45F3-9B6E-BE49C8589E21}" srcId="{4660101F-BAD6-44EA-9726-4A02F442B497}" destId="{7B69AE08-FDB3-4396-B9E0-70F4E2EF8493}" srcOrd="1" destOrd="0" parTransId="{A1AEBA84-18EF-4016-94AF-DA9ED399FF67}" sibTransId="{8804BE87-F38E-4C97-9542-D8DF439AD625}"/>
+    <dgm:cxn modelId="{5182CA47-A148-49BB-8473-737C2C505AF8}" srcId="{6C1CFE81-06D0-4161-B222-BD6C857454CC}" destId="{7F2B5CD4-9974-4F5D-9AE2-C5F6BA55A6F0}" srcOrd="0" destOrd="0" parTransId="{6F28F237-C212-43E8-AC0B-2549CBF4E856}" sibTransId="{87265A75-14A0-46E5-938E-5525035E334E}"/>
     <dgm:cxn modelId="{82FD045D-A055-4841-9AB6-C4A4CAD293CC}" srcId="{7B69AE08-FDB3-4396-B9E0-70F4E2EF8493}" destId="{C3A0221B-7F09-44D8-9040-021D47FD4B58}" srcOrd="0" destOrd="0" parTransId="{FC6F113A-04E4-4358-A1E9-57B1C6DC82A1}" sibTransId="{7343A1F3-E205-4E45-9404-91FD61FED366}"/>
+    <dgm:cxn modelId="{E200D995-B15C-4072-82A5-A716CFFBBCF7}" srcId="{6C1CFE81-06D0-4161-B222-BD6C857454CC}" destId="{9481CA03-7B73-4C78-A6E3-79E1B4FE46D5}" srcOrd="3" destOrd="0" parTransId="{4FCF84B7-A0F0-4B1A-A830-34CF9ADDEA4B}" sibTransId="{8AA52092-812F-4061-B4CF-93A2FA01CA64}"/>
+    <dgm:cxn modelId="{A39CBAFD-51C7-4B42-A228-1BE8F1C72E4C}" srcId="{6C1CFE81-06D0-4161-B222-BD6C857454CC}" destId="{D711D526-2244-48A2-8C7D-FB5DF9B66620}" srcOrd="2" destOrd="0" parTransId="{14D04E5D-30E8-43A2-B8E0-C436F8C3DFD7}" sibTransId="{B15E1BC1-D235-40B3-9C89-F9C36108E7BA}"/>
+    <dgm:cxn modelId="{E98E0BB1-02BC-4B28-9BE5-FB78F0FB546D}" srcId="{6C1CFE81-06D0-4161-B222-BD6C857454CC}" destId="{E0358E9B-7D8D-4493-A8B4-340735D007D8}" srcOrd="1" destOrd="0" parTransId="{7494817B-EC6F-4E2E-81B4-E5C99059FA0B}" sibTransId="{3A77DA7C-75FC-462B-BED1-808D838B61AB}"/>
     <dgm:cxn modelId="{190A4035-A085-40BA-B230-A7187C86F898}" type="presOf" srcId="{D711D526-2244-48A2-8C7D-FB5DF9B66620}" destId="{2C45E472-DAD6-4B32-8D04-070C1B6F1AA5}" srcOrd="0" destOrd="0" presId="urn:microsoft.com/office/officeart/2005/8/layout/target2"/>
+    <dgm:cxn modelId="{687FAC86-5DBF-42A7-B619-A76FB29DFE4A}" type="presOf" srcId="{E0358E9B-7D8D-4493-A8B4-340735D007D8}" destId="{7BFA9E0D-FFC1-4116-A119-C24F9EC44658}" srcOrd="0" destOrd="0" presId="urn:microsoft.com/office/officeart/2005/8/layout/target2"/>
     <dgm:cxn modelId="{9FA1EA88-E5BE-4360-947A-7B6316295D90}" srcId="{4660101F-BAD6-44EA-9726-4A02F442B497}" destId="{6C1CFE81-06D0-4161-B222-BD6C857454CC}" srcOrd="0" destOrd="0" parTransId="{D5F4B31A-449E-4DBB-9765-A2F8D9748F91}" sibTransId="{11E0DAB5-36CD-47EA-8AC8-DC26D32CD519}"/>
-    <dgm:cxn modelId="{1B626249-B3E1-4B34-862A-0CCAD0C37217}" type="presOf" srcId="{9481CA03-7B73-4C78-A6E3-79E1B4FE46D5}" destId="{8F0154EA-5B81-4A2F-AFE2-59B2BD5F1419}" srcOrd="0" destOrd="0" presId="urn:microsoft.com/office/officeart/2005/8/layout/target2"/>
-    <dgm:cxn modelId="{5C4A9567-6E8C-43DA-9C26-8237DB019F0F}" type="presOf" srcId="{4660101F-BAD6-44EA-9726-4A02F442B497}" destId="{D46D9678-378C-4BB1-AA98-28FDA1C9F1D8}" srcOrd="0" destOrd="0" presId="urn:microsoft.com/office/officeart/2005/8/layout/target2"/>
-    <dgm:cxn modelId="{E98E0BB1-02BC-4B28-9BE5-FB78F0FB546D}" srcId="{6C1CFE81-06D0-4161-B222-BD6C857454CC}" destId="{E0358E9B-7D8D-4493-A8B4-340735D007D8}" srcOrd="1" destOrd="0" parTransId="{7494817B-EC6F-4E2E-81B4-E5C99059FA0B}" sibTransId="{3A77DA7C-75FC-462B-BED1-808D838B61AB}"/>
     <dgm:cxn modelId="{0709FC5B-50F9-41A1-852A-1E172459C1D5}" type="presOf" srcId="{7F2B5CD4-9974-4F5D-9AE2-C5F6BA55A6F0}" destId="{B10C22B0-50CB-4607-840C-1848754FDCFD}" srcOrd="0" destOrd="0" presId="urn:microsoft.com/office/officeart/2005/8/layout/target2"/>
-    <dgm:cxn modelId="{32B89333-466E-4005-94EC-174966B462DA}" type="presOf" srcId="{C3A0221B-7F09-44D8-9040-021D47FD4B58}" destId="{DBF62664-5FC6-43DB-A3A7-F802B5C58693}" srcOrd="0" destOrd="0" presId="urn:microsoft.com/office/officeart/2005/8/layout/target2"/>
-    <dgm:cxn modelId="{687FAC86-5DBF-42A7-B619-A76FB29DFE4A}" type="presOf" srcId="{E0358E9B-7D8D-4493-A8B4-340735D007D8}" destId="{7BFA9E0D-FFC1-4116-A119-C24F9EC44658}" srcOrd="0" destOrd="0" presId="urn:microsoft.com/office/officeart/2005/8/layout/target2"/>
-    <dgm:cxn modelId="{4DA1798A-53C5-43C6-93DB-B6296745A30B}" type="presOf" srcId="{6C1CFE81-06D0-4161-B222-BD6C857454CC}" destId="{2B0B833C-849D-4A9F-ADCB-F0151CE53ECD}" srcOrd="0" destOrd="0" presId="urn:microsoft.com/office/officeart/2005/8/layout/target2"/>
-    <dgm:cxn modelId="{A39CBAFD-51C7-4B42-A228-1BE8F1C72E4C}" srcId="{6C1CFE81-06D0-4161-B222-BD6C857454CC}" destId="{D711D526-2244-48A2-8C7D-FB5DF9B66620}" srcOrd="2" destOrd="0" parTransId="{14D04E5D-30E8-43A2-B8E0-C436F8C3DFD7}" sibTransId="{B15E1BC1-D235-40B3-9C89-F9C36108E7BA}"/>
-    <dgm:cxn modelId="{5182CA47-A148-49BB-8473-737C2C505AF8}" srcId="{6C1CFE81-06D0-4161-B222-BD6C857454CC}" destId="{7F2B5CD4-9974-4F5D-9AE2-C5F6BA55A6F0}" srcOrd="0" destOrd="0" parTransId="{6F28F237-C212-43E8-AC0B-2549CBF4E856}" sibTransId="{87265A75-14A0-46E5-938E-5525035E334E}"/>
-    <dgm:cxn modelId="{E200D995-B15C-4072-82A5-A716CFFBBCF7}" srcId="{6C1CFE81-06D0-4161-B222-BD6C857454CC}" destId="{9481CA03-7B73-4C78-A6E3-79E1B4FE46D5}" srcOrd="3" destOrd="0" parTransId="{4FCF84B7-A0F0-4B1A-A830-34CF9ADDEA4B}" sibTransId="{8AA52092-812F-4061-B4CF-93A2FA01CA64}"/>
-    <dgm:cxn modelId="{5AD544E6-C46F-45F3-9B6E-BE49C8589E21}" srcId="{4660101F-BAD6-44EA-9726-4A02F442B497}" destId="{7B69AE08-FDB3-4396-B9E0-70F4E2EF8493}" srcOrd="1" destOrd="0" parTransId="{A1AEBA84-18EF-4016-94AF-DA9ED399FF67}" sibTransId="{8804BE87-F38E-4C97-9542-D8DF439AD625}"/>
-    <dgm:cxn modelId="{117CA918-C677-438A-BB6B-449509D5BB74}" type="presOf" srcId="{7B69AE08-FDB3-4396-B9E0-70F4E2EF8493}" destId="{9E2CDD3F-7280-42EF-9F32-4758839CB433}" srcOrd="0" destOrd="0" presId="urn:microsoft.com/office/officeart/2005/8/layout/target2"/>
     <dgm:cxn modelId="{920433BA-13AA-4762-9E30-76C804127B1A}" type="presParOf" srcId="{D46D9678-378C-4BB1-AA98-28FDA1C9F1D8}" destId="{BF148509-36A4-47EF-8440-88F8055283C5}" srcOrd="0" destOrd="0" presId="urn:microsoft.com/office/officeart/2005/8/layout/target2"/>
     <dgm:cxn modelId="{C24D44CD-A4DD-474F-9537-43FB4598423F}" type="presParOf" srcId="{BF148509-36A4-47EF-8440-88F8055283C5}" destId="{2B0B833C-849D-4A9F-ADCB-F0151CE53ECD}" srcOrd="0" destOrd="0" presId="urn:microsoft.com/office/officeart/2005/8/layout/target2"/>
     <dgm:cxn modelId="{B9A3B356-0DB1-43C1-885D-FF88D8CEB489}" type="presParOf" srcId="{BF148509-36A4-47EF-8440-88F8055283C5}" destId="{287C93C3-F0D9-4AC1-946D-FFBEF7019C58}" srcOrd="1" destOrd="0" presId="urn:microsoft.com/office/officeart/2005/8/layout/target2"/>
@@ -1403,7 +1404,587 @@
   </dgm:cxnLst>
   <dgm:bg/>
   <dgm:whole/>
+  <dgm:extLst>
+    <a:ext uri="http://schemas.microsoft.com/office/drawing/2008/diagram">
+      <dsp:dataModelExt xmlns:dsp="http://schemas.microsoft.com/office/drawing/2008/diagram" relId="rId6" minVer="http://schemas.openxmlformats.org/drawingml/2006/diagram"/>
+    </a:ext>
+  </dgm:extLst>
 </dgm:dataModel>
+</file>
+
+<file path=ppt/diagrams/drawing1.xml><?xml version="1.0" encoding="utf-8"?>
+<dsp:drawing xmlns:dgm="http://schemas.openxmlformats.org/drawingml/2006/diagram" xmlns:dsp="http://schemas.microsoft.com/office/drawing/2008/diagram" xmlns:a="http://schemas.openxmlformats.org/drawingml/2006/main">
+  <dsp:spTree>
+    <dsp:nvGrpSpPr>
+      <dsp:cNvPr id="0" name=""/>
+      <dsp:cNvGrpSpPr/>
+    </dsp:nvGrpSpPr>
+    <dsp:grpSpPr/>
+    <dsp:sp modelId="{2B0B833C-849D-4A9F-ADCB-F0151CE53ECD}">
+      <dsp:nvSpPr>
+        <dsp:cNvPr id="0" name=""/>
+        <dsp:cNvSpPr/>
+      </dsp:nvSpPr>
+      <dsp:spPr>
+        <a:xfrm>
+          <a:off x="0" y="0"/>
+          <a:ext cx="5929354" cy="1785950"/>
+        </a:xfrm>
+        <a:prstGeom prst="roundRect">
+          <a:avLst>
+            <a:gd name="adj" fmla="val 8500"/>
+          </a:avLst>
+        </a:prstGeom>
+        <a:solidFill>
+          <a:schemeClr val="tx2">
+            <a:lumMod val="40000"/>
+            <a:lumOff val="60000"/>
+          </a:schemeClr>
+        </a:solidFill>
+        <a:ln w="25400" cap="flat" cmpd="sng" algn="ctr">
+          <a:solidFill>
+            <a:schemeClr val="lt1">
+              <a:hueOff val="0"/>
+              <a:satOff val="0"/>
+              <a:lumOff val="0"/>
+              <a:alphaOff val="0"/>
+            </a:schemeClr>
+          </a:solidFill>
+          <a:prstDash val="solid"/>
+        </a:ln>
+        <a:effectLst/>
+      </dsp:spPr>
+      <dsp:style>
+        <a:lnRef idx="2">
+          <a:scrgbClr r="0" g="0" b="0"/>
+        </a:lnRef>
+        <a:fillRef idx="1">
+          <a:scrgbClr r="0" g="0" b="0"/>
+        </a:fillRef>
+        <a:effectRef idx="0">
+          <a:scrgbClr r="0" g="0" b="0"/>
+        </a:effectRef>
+        <a:fontRef idx="minor">
+          <a:schemeClr val="lt1"/>
+        </a:fontRef>
+      </dsp:style>
+      <dsp:txBody>
+        <a:bodyPr spcFirstLastPara="0" vert="horz" wrap="square" lIns="64770" tIns="64770" rIns="64770" bIns="1386096" numCol="1" spcCol="1270" anchor="t" anchorCtr="0">
+          <a:noAutofit/>
+        </a:bodyPr>
+        <a:lstStyle/>
+        <a:p>
+          <a:pPr lvl="0" algn="ctr" defTabSz="755650">
+            <a:lnSpc>
+              <a:spcPct val="90000"/>
+            </a:lnSpc>
+            <a:spcBef>
+              <a:spcPct val="0"/>
+            </a:spcBef>
+            <a:spcAft>
+              <a:spcPct val="35000"/>
+            </a:spcAft>
+          </a:pPr>
+          <a:r>
+            <a:rPr lang="en-US" altLang="zh-CN" sz="1700" kern="1200" dirty="0" smtClean="0"/>
+            <a:t>Dashboard</a:t>
+          </a:r>
+          <a:endParaRPr lang="zh-CN" altLang="en-US" sz="1700" kern="1200" dirty="0"/>
+        </a:p>
+      </dsp:txBody>
+      <dsp:txXfrm>
+        <a:off x="44462" y="44462"/>
+        <a:ext cx="5840430" cy="1697026"/>
+      </dsp:txXfrm>
+    </dsp:sp>
+    <dsp:sp modelId="{B10C22B0-50CB-4607-840C-1848754FDCFD}">
+      <dsp:nvSpPr>
+        <dsp:cNvPr id="0" name=""/>
+        <dsp:cNvSpPr/>
+      </dsp:nvSpPr>
+      <dsp:spPr>
+        <a:xfrm>
+          <a:off x="148233" y="446487"/>
+          <a:ext cx="889403" cy="296670"/>
+        </a:xfrm>
+        <a:prstGeom prst="roundRect">
+          <a:avLst>
+            <a:gd name="adj" fmla="val 10500"/>
+          </a:avLst>
+        </a:prstGeom>
+        <a:solidFill>
+          <a:schemeClr val="lt1">
+            <a:alpha val="90000"/>
+            <a:hueOff val="0"/>
+            <a:satOff val="0"/>
+            <a:lumOff val="0"/>
+            <a:alphaOff val="0"/>
+          </a:schemeClr>
+        </a:solidFill>
+        <a:ln w="25400" cap="flat" cmpd="sng" algn="ctr">
+          <a:solidFill>
+            <a:schemeClr val="accent1">
+              <a:hueOff val="0"/>
+              <a:satOff val="0"/>
+              <a:lumOff val="0"/>
+              <a:alphaOff val="0"/>
+            </a:schemeClr>
+          </a:solidFill>
+          <a:prstDash val="solid"/>
+        </a:ln>
+        <a:effectLst/>
+      </dsp:spPr>
+      <dsp:style>
+        <a:lnRef idx="2">
+          <a:scrgbClr r="0" g="0" b="0"/>
+        </a:lnRef>
+        <a:fillRef idx="1">
+          <a:scrgbClr r="0" g="0" b="0"/>
+        </a:fillRef>
+        <a:effectRef idx="0">
+          <a:scrgbClr r="0" g="0" b="0"/>
+        </a:effectRef>
+        <a:fontRef idx="minor"/>
+      </dsp:style>
+      <dsp:txBody>
+        <a:bodyPr spcFirstLastPara="0" vert="horz" wrap="square" lIns="38100" tIns="38100" rIns="38100" bIns="38100" numCol="1" spcCol="1270" anchor="ctr" anchorCtr="0">
+          <a:noAutofit/>
+        </a:bodyPr>
+        <a:lstStyle/>
+        <a:p>
+          <a:pPr lvl="0" algn="ctr" defTabSz="444500">
+            <a:lnSpc>
+              <a:spcPct val="90000"/>
+            </a:lnSpc>
+            <a:spcBef>
+              <a:spcPct val="0"/>
+            </a:spcBef>
+            <a:spcAft>
+              <a:spcPct val="35000"/>
+            </a:spcAft>
+          </a:pPr>
+          <a:r>
+            <a:rPr lang="zh-CN" altLang="en-US" sz="1000" kern="1200" dirty="0" smtClean="0"/>
+            <a:t>数据源配置</a:t>
+          </a:r>
+          <a:endParaRPr lang="zh-CN" altLang="en-US" sz="1000" kern="1200" dirty="0"/>
+        </a:p>
+      </dsp:txBody>
+      <dsp:txXfrm>
+        <a:off x="157357" y="455611"/>
+        <a:ext cx="871155" cy="278422"/>
+      </dsp:txXfrm>
+    </dsp:sp>
+    <dsp:sp modelId="{7BFA9E0D-FFC1-4116-A119-C24F9EC44658}">
+      <dsp:nvSpPr>
+        <dsp:cNvPr id="0" name=""/>
+        <dsp:cNvSpPr/>
+      </dsp:nvSpPr>
+      <dsp:spPr>
+        <a:xfrm>
+          <a:off x="148233" y="764263"/>
+          <a:ext cx="889403" cy="296670"/>
+        </a:xfrm>
+        <a:prstGeom prst="roundRect">
+          <a:avLst>
+            <a:gd name="adj" fmla="val 10500"/>
+          </a:avLst>
+        </a:prstGeom>
+        <a:solidFill>
+          <a:schemeClr val="lt1">
+            <a:alpha val="90000"/>
+            <a:hueOff val="0"/>
+            <a:satOff val="0"/>
+            <a:lumOff val="0"/>
+            <a:alphaOff val="0"/>
+          </a:schemeClr>
+        </a:solidFill>
+        <a:ln w="25400" cap="flat" cmpd="sng" algn="ctr">
+          <a:solidFill>
+            <a:schemeClr val="accent1">
+              <a:hueOff val="0"/>
+              <a:satOff val="0"/>
+              <a:lumOff val="0"/>
+              <a:alphaOff val="0"/>
+            </a:schemeClr>
+          </a:solidFill>
+          <a:prstDash val="solid"/>
+        </a:ln>
+        <a:effectLst/>
+      </dsp:spPr>
+      <dsp:style>
+        <a:lnRef idx="2">
+          <a:scrgbClr r="0" g="0" b="0"/>
+        </a:lnRef>
+        <a:fillRef idx="1">
+          <a:scrgbClr r="0" g="0" b="0"/>
+        </a:fillRef>
+        <a:effectRef idx="0">
+          <a:scrgbClr r="0" g="0" b="0"/>
+        </a:effectRef>
+        <a:fontRef idx="minor"/>
+      </dsp:style>
+      <dsp:txBody>
+        <a:bodyPr spcFirstLastPara="0" vert="horz" wrap="square" lIns="38100" tIns="38100" rIns="38100" bIns="38100" numCol="1" spcCol="1270" anchor="ctr" anchorCtr="0">
+          <a:noAutofit/>
+        </a:bodyPr>
+        <a:lstStyle/>
+        <a:p>
+          <a:pPr lvl="0" algn="ctr" defTabSz="444500">
+            <a:lnSpc>
+              <a:spcPct val="90000"/>
+            </a:lnSpc>
+            <a:spcBef>
+              <a:spcPct val="0"/>
+            </a:spcBef>
+            <a:spcAft>
+              <a:spcPct val="35000"/>
+            </a:spcAft>
+          </a:pPr>
+          <a:r>
+            <a:rPr lang="en-US" altLang="zh-CN" sz="1000" kern="1200" dirty="0" smtClean="0"/>
+            <a:t>Canal</a:t>
+          </a:r>
+          <a:r>
+            <a:rPr lang="zh-CN" altLang="en-US" sz="1000" kern="1200" dirty="0" smtClean="0"/>
+            <a:t>配置</a:t>
+          </a:r>
+          <a:endParaRPr lang="zh-CN" altLang="en-US" sz="1000" kern="1200" dirty="0"/>
+        </a:p>
+      </dsp:txBody>
+      <dsp:txXfrm>
+        <a:off x="157357" y="773387"/>
+        <a:ext cx="871155" cy="278422"/>
+      </dsp:txXfrm>
+    </dsp:sp>
+    <dsp:sp modelId="{2C45E472-DAD6-4B32-8D04-070C1B6F1AA5}">
+      <dsp:nvSpPr>
+        <dsp:cNvPr id="0" name=""/>
+        <dsp:cNvSpPr/>
+      </dsp:nvSpPr>
+      <dsp:spPr>
+        <a:xfrm>
+          <a:off x="148233" y="1082039"/>
+          <a:ext cx="889403" cy="296670"/>
+        </a:xfrm>
+        <a:prstGeom prst="roundRect">
+          <a:avLst>
+            <a:gd name="adj" fmla="val 10500"/>
+          </a:avLst>
+        </a:prstGeom>
+        <a:solidFill>
+          <a:schemeClr val="lt1">
+            <a:alpha val="90000"/>
+            <a:hueOff val="0"/>
+            <a:satOff val="0"/>
+            <a:lumOff val="0"/>
+            <a:alphaOff val="0"/>
+          </a:schemeClr>
+        </a:solidFill>
+        <a:ln w="25400" cap="flat" cmpd="sng" algn="ctr">
+          <a:solidFill>
+            <a:schemeClr val="accent1">
+              <a:hueOff val="0"/>
+              <a:satOff val="0"/>
+              <a:lumOff val="0"/>
+              <a:alphaOff val="0"/>
+            </a:schemeClr>
+          </a:solidFill>
+          <a:prstDash val="solid"/>
+        </a:ln>
+        <a:effectLst/>
+      </dsp:spPr>
+      <dsp:style>
+        <a:lnRef idx="2">
+          <a:scrgbClr r="0" g="0" b="0"/>
+        </a:lnRef>
+        <a:fillRef idx="1">
+          <a:scrgbClr r="0" g="0" b="0"/>
+        </a:fillRef>
+        <a:effectRef idx="0">
+          <a:scrgbClr r="0" g="0" b="0"/>
+        </a:effectRef>
+        <a:fontRef idx="minor"/>
+      </dsp:style>
+      <dsp:txBody>
+        <a:bodyPr spcFirstLastPara="0" vert="horz" wrap="square" lIns="38100" tIns="38100" rIns="38100" bIns="38100" numCol="1" spcCol="1270" anchor="ctr" anchorCtr="0">
+          <a:noAutofit/>
+        </a:bodyPr>
+        <a:lstStyle/>
+        <a:p>
+          <a:pPr lvl="0" algn="ctr" defTabSz="444500">
+            <a:lnSpc>
+              <a:spcPct val="90000"/>
+            </a:lnSpc>
+            <a:spcBef>
+              <a:spcPct val="0"/>
+            </a:spcBef>
+            <a:spcAft>
+              <a:spcPct val="35000"/>
+            </a:spcAft>
+          </a:pPr>
+          <a:r>
+            <a:rPr lang="zh-CN" altLang="en-US" sz="1000" kern="1200" dirty="0" smtClean="0"/>
+            <a:t>消息总线配置</a:t>
+          </a:r>
+          <a:endParaRPr lang="zh-CN" altLang="en-US" sz="1000" kern="1200" dirty="0"/>
+        </a:p>
+      </dsp:txBody>
+      <dsp:txXfrm>
+        <a:off x="157357" y="1091163"/>
+        <a:ext cx="871155" cy="278422"/>
+      </dsp:txXfrm>
+    </dsp:sp>
+    <dsp:sp modelId="{8F0154EA-5B81-4A2F-AFE2-59B2BD5F1419}">
+      <dsp:nvSpPr>
+        <dsp:cNvPr id="0" name=""/>
+        <dsp:cNvSpPr/>
+      </dsp:nvSpPr>
+      <dsp:spPr>
+        <a:xfrm>
+          <a:off x="148233" y="1399815"/>
+          <a:ext cx="889403" cy="296670"/>
+        </a:xfrm>
+        <a:prstGeom prst="roundRect">
+          <a:avLst>
+            <a:gd name="adj" fmla="val 10500"/>
+          </a:avLst>
+        </a:prstGeom>
+        <a:solidFill>
+          <a:schemeClr val="lt1">
+            <a:alpha val="90000"/>
+            <a:hueOff val="0"/>
+            <a:satOff val="0"/>
+            <a:lumOff val="0"/>
+            <a:alphaOff val="0"/>
+          </a:schemeClr>
+        </a:solidFill>
+        <a:ln w="25400" cap="flat" cmpd="sng" algn="ctr">
+          <a:solidFill>
+            <a:schemeClr val="accent1">
+              <a:hueOff val="0"/>
+              <a:satOff val="0"/>
+              <a:lumOff val="0"/>
+              <a:alphaOff val="0"/>
+            </a:schemeClr>
+          </a:solidFill>
+          <a:prstDash val="solid"/>
+        </a:ln>
+        <a:effectLst/>
+      </dsp:spPr>
+      <dsp:style>
+        <a:lnRef idx="2">
+          <a:scrgbClr r="0" g="0" b="0"/>
+        </a:lnRef>
+        <a:fillRef idx="1">
+          <a:scrgbClr r="0" g="0" b="0"/>
+        </a:fillRef>
+        <a:effectRef idx="0">
+          <a:scrgbClr r="0" g="0" b="0"/>
+        </a:effectRef>
+        <a:fontRef idx="minor"/>
+      </dsp:style>
+      <dsp:txBody>
+        <a:bodyPr spcFirstLastPara="0" vert="horz" wrap="square" lIns="38100" tIns="38100" rIns="38100" bIns="38100" numCol="1" spcCol="1270" anchor="ctr" anchorCtr="0">
+          <a:noAutofit/>
+        </a:bodyPr>
+        <a:lstStyle/>
+        <a:p>
+          <a:pPr lvl="0" algn="ctr" defTabSz="444500">
+            <a:lnSpc>
+              <a:spcPct val="90000"/>
+            </a:lnSpc>
+            <a:spcBef>
+              <a:spcPct val="0"/>
+            </a:spcBef>
+            <a:spcAft>
+              <a:spcPct val="35000"/>
+            </a:spcAft>
+          </a:pPr>
+          <a:r>
+            <a:rPr lang="en-US" altLang="zh-CN" sz="1000" kern="1200" dirty="0" smtClean="0"/>
+            <a:t>Storm</a:t>
+          </a:r>
+          <a:r>
+            <a:rPr lang="zh-CN" altLang="en-US" sz="1000" kern="1200" dirty="0" smtClean="0"/>
+            <a:t>管理</a:t>
+          </a:r>
+          <a:endParaRPr lang="zh-CN" altLang="en-US" sz="1000" kern="1200" dirty="0"/>
+        </a:p>
+      </dsp:txBody>
+      <dsp:txXfrm>
+        <a:off x="157357" y="1408939"/>
+        <a:ext cx="871155" cy="278422"/>
+      </dsp:txXfrm>
+    </dsp:sp>
+    <dsp:sp modelId="{9E2CDD3F-7280-42EF-9F32-4758839CB433}">
+      <dsp:nvSpPr>
+        <dsp:cNvPr id="0" name=""/>
+        <dsp:cNvSpPr/>
+      </dsp:nvSpPr>
+      <dsp:spPr>
+        <a:xfrm>
+          <a:off x="1185870" y="446487"/>
+          <a:ext cx="4595249" cy="1250165"/>
+        </a:xfrm>
+        <a:prstGeom prst="roundRect">
+          <a:avLst>
+            <a:gd name="adj" fmla="val 10500"/>
+          </a:avLst>
+        </a:prstGeom>
+        <a:solidFill>
+          <a:schemeClr val="tx2">
+            <a:lumMod val="40000"/>
+            <a:lumOff val="60000"/>
+          </a:schemeClr>
+        </a:solidFill>
+        <a:ln w="25400" cap="flat" cmpd="sng" algn="ctr">
+          <a:solidFill>
+            <a:schemeClr val="lt1">
+              <a:hueOff val="0"/>
+              <a:satOff val="0"/>
+              <a:lumOff val="0"/>
+              <a:alphaOff val="0"/>
+            </a:schemeClr>
+          </a:solidFill>
+          <a:prstDash val="solid"/>
+        </a:ln>
+        <a:effectLst/>
+      </dsp:spPr>
+      <dsp:style>
+        <a:lnRef idx="2">
+          <a:scrgbClr r="0" g="0" b="0"/>
+        </a:lnRef>
+        <a:fillRef idx="1">
+          <a:scrgbClr r="0" g="0" b="0"/>
+        </a:fillRef>
+        <a:effectRef idx="0">
+          <a:scrgbClr r="0" g="0" b="0"/>
+        </a:effectRef>
+        <a:fontRef idx="minor">
+          <a:schemeClr val="lt1"/>
+        </a:fontRef>
+      </dsp:style>
+      <dsp:txBody>
+        <a:bodyPr spcFirstLastPara="0" vert="horz" wrap="square" lIns="45720" tIns="45720" rIns="45720" bIns="793855" numCol="1" spcCol="1270" anchor="t" anchorCtr="0">
+          <a:noAutofit/>
+        </a:bodyPr>
+        <a:lstStyle/>
+        <a:p>
+          <a:pPr lvl="0" algn="l" defTabSz="533400">
+            <a:lnSpc>
+              <a:spcPct val="90000"/>
+            </a:lnSpc>
+            <a:spcBef>
+              <a:spcPct val="0"/>
+            </a:spcBef>
+            <a:spcAft>
+              <a:spcPct val="35000"/>
+            </a:spcAft>
+          </a:pPr>
+          <a:r>
+            <a:rPr lang="en-US" altLang="zh-CN" sz="1200" kern="1200" dirty="0" err="1" smtClean="0"/>
+            <a:t>Mysql</a:t>
+          </a:r>
+          <a:r>
+            <a:rPr lang="zh-CN" altLang="en-US" sz="1200" kern="1200" dirty="0" smtClean="0"/>
+            <a:t>数据源配置</a:t>
+          </a:r>
+          <a:endParaRPr lang="zh-CN" altLang="en-US" sz="1200" kern="1200" dirty="0"/>
+        </a:p>
+      </dsp:txBody>
+      <dsp:txXfrm>
+        <a:off x="1224317" y="484934"/>
+        <a:ext cx="4518355" cy="1173271"/>
+      </dsp:txXfrm>
+    </dsp:sp>
+    <dsp:sp modelId="{DBF62664-5FC6-43DB-A3A7-F802B5C58693}">
+      <dsp:nvSpPr>
+        <dsp:cNvPr id="0" name=""/>
+        <dsp:cNvSpPr/>
+      </dsp:nvSpPr>
+      <dsp:spPr>
+        <a:xfrm>
+          <a:off x="1300752" y="1009061"/>
+          <a:ext cx="4365486" cy="562574"/>
+        </a:xfrm>
+        <a:prstGeom prst="roundRect">
+          <a:avLst>
+            <a:gd name="adj" fmla="val 10500"/>
+          </a:avLst>
+        </a:prstGeom>
+        <a:solidFill>
+          <a:schemeClr val="tx2">
+            <a:lumMod val="40000"/>
+            <a:lumOff val="60000"/>
+            <a:alpha val="90000"/>
+          </a:schemeClr>
+        </a:solidFill>
+        <a:ln w="25400" cap="flat" cmpd="sng" algn="ctr">
+          <a:solidFill>
+            <a:schemeClr val="bg1">
+              <a:lumMod val="85000"/>
+            </a:schemeClr>
+          </a:solidFill>
+          <a:prstDash val="solid"/>
+        </a:ln>
+        <a:effectLst/>
+      </dsp:spPr>
+      <dsp:style>
+        <a:lnRef idx="2">
+          <a:scrgbClr r="0" g="0" b="0"/>
+        </a:lnRef>
+        <a:fillRef idx="1">
+          <a:scrgbClr r="0" g="0" b="0"/>
+        </a:fillRef>
+        <a:effectRef idx="0">
+          <a:scrgbClr r="0" g="0" b="0"/>
+        </a:effectRef>
+        <a:fontRef idx="minor"/>
+      </dsp:style>
+      <dsp:txBody>
+        <a:bodyPr spcFirstLastPara="0" vert="horz" wrap="square" lIns="38100" tIns="38100" rIns="38100" bIns="38100" numCol="1" spcCol="1270" anchor="ctr" anchorCtr="0">
+          <a:noAutofit/>
+        </a:bodyPr>
+        <a:lstStyle/>
+        <a:p>
+          <a:pPr lvl="0" algn="ctr" defTabSz="444500">
+            <a:lnSpc>
+              <a:spcPct val="90000"/>
+            </a:lnSpc>
+            <a:spcBef>
+              <a:spcPct val="0"/>
+            </a:spcBef>
+            <a:spcAft>
+              <a:spcPct val="35000"/>
+            </a:spcAft>
+          </a:pPr>
+          <a:r>
+            <a:rPr lang="en-US" altLang="zh-CN" sz="1000" kern="1200" dirty="0" err="1" smtClean="0"/>
+            <a:t>ip:port</a:t>
+          </a:r>
+          <a:r>
+            <a:rPr lang="en-US" altLang="zh-CN" sz="1000" kern="1200" dirty="0" smtClean="0"/>
+            <a:t>/</a:t>
+          </a:r>
+          <a:r>
+            <a:rPr lang="en-US" altLang="zh-CN" sz="1000" kern="1200" dirty="0" err="1" smtClean="0"/>
+            <a:t>userName</a:t>
+          </a:r>
+          <a:r>
+            <a:rPr lang="en-US" altLang="zh-CN" sz="1000" kern="1200" dirty="0" smtClean="0"/>
+            <a:t>/password</a:t>
+          </a:r>
+          <a:endParaRPr lang="zh-CN" altLang="en-US" sz="1000" kern="1200" dirty="0"/>
+        </a:p>
+      </dsp:txBody>
+      <dsp:txXfrm>
+        <a:off x="1318053" y="1026362"/>
+        <a:ext cx="4330884" cy="527972"/>
+      </dsp:txXfrm>
+    </dsp:sp>
+  </dsp:spTree>
+</dsp:drawing>
 </file>
 
 <file path=ppt/diagrams/layout1.xml><?xml version="1.0" encoding="utf-8"?>
@@ -3305,7 +3886,7 @@
             <a:fld id="{11A6CCEF-3130-4465-9F39-8547098AAF4E}" type="datetimeFigureOut">
               <a:rPr lang="zh-CN" altLang="en-US" smtClean="0"/>
               <a:pPr/>
-              <a:t>2018/1/26</a:t>
+              <a:t>2018/4/29</a:t>
             </a:fld>
             <a:endParaRPr lang="zh-CN" altLang="en-US"/>
           </a:p>
@@ -3474,6 +4055,11 @@
         </p:txBody>
       </p:sp>
     </p:spTree>
+    <p:extLst>
+      <p:ext uri="{BB962C8B-B14F-4D97-AF65-F5344CB8AC3E}">
+        <p14:creationId xmlns:p14="http://schemas.microsoft.com/office/powerpoint/2010/main" val="1651434351"/>
+      </p:ext>
+    </p:extLst>
   </p:cSld>
   <p:clrMap bg1="lt1" tx1="dk1" bg2="lt2" tx2="dk2" accent1="accent1" accent2="accent2" accent3="accent3" accent4="accent4" accent5="accent5" accent6="accent6" hlink="hlink" folHlink="folHlink"/>
   <p:notesStyle>
@@ -4409,7 +4995,7 @@
             <a:fld id="{530820CF-B880-4189-942D-D702A7CBA730}" type="datetimeFigureOut">
               <a:rPr lang="zh-CN" altLang="en-US" smtClean="0"/>
               <a:pPr/>
-              <a:t>2018/1/26</a:t>
+              <a:t>2018/4/29</a:t>
             </a:fld>
             <a:endParaRPr lang="zh-CN" altLang="en-US"/>
           </a:p>
@@ -4576,7 +5162,7 @@
             <a:fld id="{530820CF-B880-4189-942D-D702A7CBA730}" type="datetimeFigureOut">
               <a:rPr lang="zh-CN" altLang="en-US" smtClean="0"/>
               <a:pPr/>
-              <a:t>2018/1/26</a:t>
+              <a:t>2018/4/29</a:t>
             </a:fld>
             <a:endParaRPr lang="zh-CN" altLang="en-US"/>
           </a:p>
@@ -4753,7 +5339,7 @@
             <a:fld id="{530820CF-B880-4189-942D-D702A7CBA730}" type="datetimeFigureOut">
               <a:rPr lang="zh-CN" altLang="en-US" smtClean="0"/>
               <a:pPr/>
-              <a:t>2018/1/26</a:t>
+              <a:t>2018/4/29</a:t>
             </a:fld>
             <a:endParaRPr lang="zh-CN" altLang="en-US"/>
           </a:p>
@@ -4920,7 +5506,7 @@
             <a:fld id="{530820CF-B880-4189-942D-D702A7CBA730}" type="datetimeFigureOut">
               <a:rPr lang="zh-CN" altLang="en-US" smtClean="0"/>
               <a:pPr/>
-              <a:t>2018/1/26</a:t>
+              <a:t>2018/4/29</a:t>
             </a:fld>
             <a:endParaRPr lang="zh-CN" altLang="en-US"/>
           </a:p>
@@ -5163,7 +5749,7 @@
             <a:fld id="{530820CF-B880-4189-942D-D702A7CBA730}" type="datetimeFigureOut">
               <a:rPr lang="zh-CN" altLang="en-US" smtClean="0"/>
               <a:pPr/>
-              <a:t>2018/1/26</a:t>
+              <a:t>2018/4/29</a:t>
             </a:fld>
             <a:endParaRPr lang="zh-CN" altLang="en-US"/>
           </a:p>
@@ -5448,7 +6034,7 @@
             <a:fld id="{530820CF-B880-4189-942D-D702A7CBA730}" type="datetimeFigureOut">
               <a:rPr lang="zh-CN" altLang="en-US" smtClean="0"/>
               <a:pPr/>
-              <a:t>2018/1/26</a:t>
+              <a:t>2018/4/29</a:t>
             </a:fld>
             <a:endParaRPr lang="zh-CN" altLang="en-US"/>
           </a:p>
@@ -5867,7 +6453,7 @@
             <a:fld id="{530820CF-B880-4189-942D-D702A7CBA730}" type="datetimeFigureOut">
               <a:rPr lang="zh-CN" altLang="en-US" smtClean="0"/>
               <a:pPr/>
-              <a:t>2018/1/26</a:t>
+              <a:t>2018/4/29</a:t>
             </a:fld>
             <a:endParaRPr lang="zh-CN" altLang="en-US"/>
           </a:p>
@@ -5982,7 +6568,7 @@
             <a:fld id="{530820CF-B880-4189-942D-D702A7CBA730}" type="datetimeFigureOut">
               <a:rPr lang="zh-CN" altLang="en-US" smtClean="0"/>
               <a:pPr/>
-              <a:t>2018/1/26</a:t>
+              <a:t>2018/4/29</a:t>
             </a:fld>
             <a:endParaRPr lang="zh-CN" altLang="en-US"/>
           </a:p>
@@ -6074,7 +6660,7 @@
             <a:fld id="{530820CF-B880-4189-942D-D702A7CBA730}" type="datetimeFigureOut">
               <a:rPr lang="zh-CN" altLang="en-US" smtClean="0"/>
               <a:pPr/>
-              <a:t>2018/1/26</a:t>
+              <a:t>2018/4/29</a:t>
             </a:fld>
             <a:endParaRPr lang="zh-CN" altLang="en-US"/>
           </a:p>
@@ -6348,7 +6934,7 @@
             <a:fld id="{530820CF-B880-4189-942D-D702A7CBA730}" type="datetimeFigureOut">
               <a:rPr lang="zh-CN" altLang="en-US" smtClean="0"/>
               <a:pPr/>
-              <a:t>2018/1/26</a:t>
+              <a:t>2018/4/29</a:t>
             </a:fld>
             <a:endParaRPr lang="zh-CN" altLang="en-US"/>
           </a:p>
@@ -6598,7 +7184,7 @@
             <a:fld id="{530820CF-B880-4189-942D-D702A7CBA730}" type="datetimeFigureOut">
               <a:rPr lang="zh-CN" altLang="en-US" smtClean="0"/>
               <a:pPr/>
-              <a:t>2018/1/26</a:t>
+              <a:t>2018/4/29</a:t>
             </a:fld>
             <a:endParaRPr lang="zh-CN" altLang="en-US"/>
           </a:p>
@@ -6808,7 +7394,7 @@
             <a:fld id="{530820CF-B880-4189-942D-D702A7CBA730}" type="datetimeFigureOut">
               <a:rPr lang="zh-CN" altLang="en-US" smtClean="0"/>
               <a:pPr/>
-              <a:t>2018/1/26</a:t>
+              <a:t>2018/4/29</a:t>
             </a:fld>
             <a:endParaRPr lang="zh-CN" altLang="en-US"/>
           </a:p>
@@ -30618,11 +31204,7 @@
             <a:pPr algn="ctr"/>
             <a:r>
               <a:rPr lang="zh-CN" altLang="en-US" dirty="0" smtClean="0"/>
-              <a:t>监控</a:t>
-            </a:r>
-            <a:r>
-              <a:rPr lang="zh-CN" altLang="en-US" dirty="0" smtClean="0"/>
-              <a:t>平台</a:t>
+              <a:t>监控平台</a:t>
             </a:r>
           </a:p>
           <a:p>
@@ -42629,11 +43211,6 @@
               </a:rPr>
               <a:t>消息总线</a:t>
             </a:r>
-            <a:endParaRPr lang="zh-CN" altLang="en-US" dirty="0" smtClean="0">
-              <a:solidFill>
-                <a:schemeClr val="tx1"/>
-              </a:solidFill>
-            </a:endParaRPr>
           </a:p>
         </p:txBody>
       </p:sp>
@@ -43266,15 +43843,7 @@
                   <a:schemeClr val="tx1"/>
                 </a:solidFill>
               </a:rPr>
-              <a:t>运行</a:t>
-            </a:r>
-            <a:r>
-              <a:rPr lang="zh-CN" altLang="en-US" sz="1100" dirty="0" smtClean="0">
-                <a:solidFill>
-                  <a:schemeClr val="tx1"/>
-                </a:solidFill>
-              </a:rPr>
-              <a:t>环境数据</a:t>
+              <a:t>运行环境数据</a:t>
             </a:r>
             <a:endParaRPr lang="zh-CN" altLang="en-US" sz="1100" dirty="0">
               <a:solidFill>
@@ -44823,15 +45392,7 @@
                   <a:schemeClr val="tx1"/>
                 </a:solidFill>
               </a:rPr>
-              <a:t>云会议</a:t>
-            </a:r>
-            <a:r>
-              <a:rPr lang="zh-CN" altLang="en-US" sz="1400" dirty="0" smtClean="0">
-                <a:solidFill>
-                  <a:schemeClr val="tx1"/>
-                </a:solidFill>
-              </a:rPr>
-              <a:t>客户端</a:t>
+              <a:t>云会议客户端</a:t>
             </a:r>
             <a:endParaRPr lang="zh-CN" altLang="en-US" sz="1400" dirty="0">
               <a:solidFill>
@@ -48574,11 +49135,7 @@
             </a:r>
             <a:r>
               <a:rPr lang="zh-CN" altLang="en-US" sz="1200" dirty="0" smtClean="0"/>
-              <a:t>服务端处理请求的</a:t>
-            </a:r>
-            <a:r>
-              <a:rPr lang="zh-CN" altLang="en-US" sz="1200" dirty="0" smtClean="0"/>
-              <a:t>时间</a:t>
+              <a:t>服务端处理请求的时间</a:t>
             </a:r>
             <a:endParaRPr lang="en-US" altLang="zh-CN" dirty="0" smtClean="0"/>
           </a:p>
@@ -49467,6 +50024,838 @@
         </p:spPr>
       </p:pic>
     </p:spTree>
+  </p:cSld>
+  <p:clrMapOvr>
+    <a:masterClrMapping/>
+  </p:clrMapOvr>
+</p:sld>
+</file>
+
+<file path=ppt/slides/slide43.xml><?xml version="1.0" encoding="utf-8"?>
+<p:sld xmlns:a="http://schemas.openxmlformats.org/drawingml/2006/main" xmlns:r="http://schemas.openxmlformats.org/officeDocument/2006/relationships" xmlns:p="http://schemas.openxmlformats.org/presentationml/2006/main">
+  <p:cSld>
+    <p:spTree>
+      <p:nvGrpSpPr>
+        <p:cNvPr id="1" name=""/>
+        <p:cNvGrpSpPr/>
+        <p:nvPr/>
+      </p:nvGrpSpPr>
+      <p:grpSpPr>
+        <a:xfrm>
+          <a:off x="0" y="0"/>
+          <a:ext cx="0" cy="0"/>
+          <a:chOff x="0" y="0"/>
+          <a:chExt cx="0" cy="0"/>
+        </a:xfrm>
+      </p:grpSpPr>
+      <p:sp>
+        <p:nvSpPr>
+          <p:cNvPr id="3" name="流程图: 磁盘 2"/>
+          <p:cNvSpPr/>
+          <p:nvPr/>
+        </p:nvSpPr>
+        <p:spPr>
+          <a:xfrm>
+            <a:off x="2339752" y="4833156"/>
+            <a:ext cx="1368152" cy="648072"/>
+          </a:xfrm>
+          <a:prstGeom prst="flowChartMagneticDisk">
+            <a:avLst/>
+          </a:prstGeom>
+        </p:spPr>
+        <p:style>
+          <a:lnRef idx="2">
+            <a:schemeClr val="accent1">
+              <a:shade val="50000"/>
+            </a:schemeClr>
+          </a:lnRef>
+          <a:fillRef idx="1">
+            <a:schemeClr val="accent1"/>
+          </a:fillRef>
+          <a:effectRef idx="0">
+            <a:schemeClr val="accent1"/>
+          </a:effectRef>
+          <a:fontRef idx="minor">
+            <a:schemeClr val="lt1"/>
+          </a:fontRef>
+        </p:style>
+        <p:txBody>
+          <a:bodyPr rtlCol="0" anchor="ctr"/>
+          <a:lstStyle/>
+          <a:p>
+            <a:pPr algn="ctr"/>
+            <a:r>
+              <a:rPr lang="zh-CN" altLang="en-US" dirty="0" smtClean="0"/>
+              <a:t>写库</a:t>
+            </a:r>
+            <a:endParaRPr lang="zh-CN" altLang="en-US" dirty="0"/>
+          </a:p>
+        </p:txBody>
+      </p:sp>
+      <p:sp>
+        <p:nvSpPr>
+          <p:cNvPr id="4" name="流程图: 磁盘 3"/>
+          <p:cNvSpPr/>
+          <p:nvPr/>
+        </p:nvSpPr>
+        <p:spPr>
+          <a:xfrm>
+            <a:off x="4644008" y="4833156"/>
+            <a:ext cx="1368152" cy="648072"/>
+          </a:xfrm>
+          <a:prstGeom prst="flowChartMagneticDisk">
+            <a:avLst/>
+          </a:prstGeom>
+        </p:spPr>
+        <p:style>
+          <a:lnRef idx="2">
+            <a:schemeClr val="accent1">
+              <a:shade val="50000"/>
+            </a:schemeClr>
+          </a:lnRef>
+          <a:fillRef idx="1">
+            <a:schemeClr val="accent1"/>
+          </a:fillRef>
+          <a:effectRef idx="0">
+            <a:schemeClr val="accent1"/>
+          </a:effectRef>
+          <a:fontRef idx="minor">
+            <a:schemeClr val="lt1"/>
+          </a:fontRef>
+        </p:style>
+        <p:txBody>
+          <a:bodyPr rtlCol="0" anchor="ctr"/>
+          <a:lstStyle/>
+          <a:p>
+            <a:pPr algn="ctr"/>
+            <a:r>
+              <a:rPr lang="zh-CN" altLang="en-US" dirty="0"/>
+              <a:t>读</a:t>
+            </a:r>
+            <a:r>
+              <a:rPr lang="zh-CN" altLang="en-US" dirty="0" smtClean="0"/>
+              <a:t>库</a:t>
+            </a:r>
+            <a:endParaRPr lang="zh-CN" altLang="en-US" dirty="0"/>
+          </a:p>
+        </p:txBody>
+      </p:sp>
+      <p:sp>
+        <p:nvSpPr>
+          <p:cNvPr id="5" name="右箭头 4"/>
+          <p:cNvSpPr/>
+          <p:nvPr/>
+        </p:nvSpPr>
+        <p:spPr>
+          <a:xfrm>
+            <a:off x="3923928" y="5157192"/>
+            <a:ext cx="540060" cy="45719"/>
+          </a:xfrm>
+          <a:prstGeom prst="rightArrow">
+            <a:avLst/>
+          </a:prstGeom>
+        </p:spPr>
+        <p:style>
+          <a:lnRef idx="2">
+            <a:schemeClr val="accent1">
+              <a:shade val="50000"/>
+            </a:schemeClr>
+          </a:lnRef>
+          <a:fillRef idx="1">
+            <a:schemeClr val="accent1"/>
+          </a:fillRef>
+          <a:effectRef idx="0">
+            <a:schemeClr val="accent1"/>
+          </a:effectRef>
+          <a:fontRef idx="minor">
+            <a:schemeClr val="lt1"/>
+          </a:fontRef>
+        </p:style>
+        <p:txBody>
+          <a:bodyPr rtlCol="0" anchor="ctr"/>
+          <a:lstStyle/>
+          <a:p>
+            <a:pPr algn="ctr"/>
+            <a:endParaRPr lang="zh-CN" altLang="en-US"/>
+          </a:p>
+        </p:txBody>
+      </p:sp>
+      <p:sp>
+        <p:nvSpPr>
+          <p:cNvPr id="6" name="圆角矩形 5"/>
+          <p:cNvSpPr/>
+          <p:nvPr/>
+        </p:nvSpPr>
+        <p:spPr>
+          <a:xfrm>
+            <a:off x="1835696" y="4257092"/>
+            <a:ext cx="4968552" cy="432048"/>
+          </a:xfrm>
+          <a:prstGeom prst="roundRect">
+            <a:avLst/>
+          </a:prstGeom>
+        </p:spPr>
+        <p:style>
+          <a:lnRef idx="2">
+            <a:schemeClr val="accent1">
+              <a:shade val="50000"/>
+            </a:schemeClr>
+          </a:lnRef>
+          <a:fillRef idx="1">
+            <a:schemeClr val="accent1"/>
+          </a:fillRef>
+          <a:effectRef idx="0">
+            <a:schemeClr val="accent1"/>
+          </a:effectRef>
+          <a:fontRef idx="minor">
+            <a:schemeClr val="lt1"/>
+          </a:fontRef>
+        </p:style>
+        <p:txBody>
+          <a:bodyPr rtlCol="0" anchor="ctr"/>
+          <a:lstStyle/>
+          <a:p>
+            <a:pPr algn="ctr"/>
+            <a:r>
+              <a:rPr lang="en-US" altLang="zh-CN" dirty="0" err="1" smtClean="0"/>
+              <a:t>MyCat</a:t>
+            </a:r>
+            <a:r>
+              <a:rPr lang="zh-CN" altLang="en-US" dirty="0" smtClean="0"/>
+              <a:t>（</a:t>
+            </a:r>
+            <a:r>
+              <a:rPr lang="en-US" altLang="zh-CN" dirty="0" err="1" smtClean="0"/>
+              <a:t>mysql</a:t>
+            </a:r>
+            <a:r>
+              <a:rPr lang="zh-CN" altLang="en-US" dirty="0" smtClean="0"/>
+              <a:t>数据库代理）</a:t>
+            </a:r>
+            <a:endParaRPr lang="zh-CN" altLang="en-US" dirty="0"/>
+          </a:p>
+        </p:txBody>
+      </p:sp>
+      <p:sp>
+        <p:nvSpPr>
+          <p:cNvPr id="7" name="流程图: 磁盘 6"/>
+          <p:cNvSpPr/>
+          <p:nvPr/>
+        </p:nvSpPr>
+        <p:spPr>
+          <a:xfrm>
+            <a:off x="4653136" y="5633628"/>
+            <a:ext cx="1368152" cy="648072"/>
+          </a:xfrm>
+          <a:prstGeom prst="flowChartMagneticDisk">
+            <a:avLst/>
+          </a:prstGeom>
+        </p:spPr>
+        <p:style>
+          <a:lnRef idx="2">
+            <a:schemeClr val="accent1">
+              <a:shade val="50000"/>
+            </a:schemeClr>
+          </a:lnRef>
+          <a:fillRef idx="1">
+            <a:schemeClr val="accent1"/>
+          </a:fillRef>
+          <a:effectRef idx="0">
+            <a:schemeClr val="accent1"/>
+          </a:effectRef>
+          <a:fontRef idx="minor">
+            <a:schemeClr val="lt1"/>
+          </a:fontRef>
+        </p:style>
+        <p:txBody>
+          <a:bodyPr rtlCol="0" anchor="ctr"/>
+          <a:lstStyle/>
+          <a:p>
+            <a:pPr algn="ctr"/>
+            <a:r>
+              <a:rPr lang="zh-CN" altLang="en-US" dirty="0"/>
+              <a:t>读</a:t>
+            </a:r>
+            <a:r>
+              <a:rPr lang="zh-CN" altLang="en-US" dirty="0" smtClean="0"/>
+              <a:t>库</a:t>
+            </a:r>
+            <a:endParaRPr lang="zh-CN" altLang="en-US" dirty="0"/>
+          </a:p>
+        </p:txBody>
+      </p:sp>
+      <p:sp>
+        <p:nvSpPr>
+          <p:cNvPr id="8" name="流程图: 磁盘 7"/>
+          <p:cNvSpPr/>
+          <p:nvPr/>
+        </p:nvSpPr>
+        <p:spPr>
+          <a:xfrm>
+            <a:off x="2315766" y="5641776"/>
+            <a:ext cx="1368152" cy="648072"/>
+          </a:xfrm>
+          <a:prstGeom prst="flowChartMagneticDisk">
+            <a:avLst/>
+          </a:prstGeom>
+        </p:spPr>
+        <p:style>
+          <a:lnRef idx="2">
+            <a:schemeClr val="accent1">
+              <a:shade val="50000"/>
+            </a:schemeClr>
+          </a:lnRef>
+          <a:fillRef idx="1">
+            <a:schemeClr val="accent1"/>
+          </a:fillRef>
+          <a:effectRef idx="0">
+            <a:schemeClr val="accent1"/>
+          </a:effectRef>
+          <a:fontRef idx="minor">
+            <a:schemeClr val="lt1"/>
+          </a:fontRef>
+        </p:style>
+        <p:txBody>
+          <a:bodyPr rtlCol="0" anchor="ctr"/>
+          <a:lstStyle/>
+          <a:p>
+            <a:pPr algn="ctr"/>
+            <a:r>
+              <a:rPr lang="zh-CN" altLang="en-US" dirty="0" smtClean="0"/>
+              <a:t>写库</a:t>
+            </a:r>
+            <a:endParaRPr lang="zh-CN" altLang="en-US" dirty="0"/>
+          </a:p>
+        </p:txBody>
+      </p:sp>
+      <p:sp>
+        <p:nvSpPr>
+          <p:cNvPr id="9" name="右箭头 8"/>
+          <p:cNvSpPr/>
+          <p:nvPr/>
+        </p:nvSpPr>
+        <p:spPr>
+          <a:xfrm>
+            <a:off x="3923928" y="5939565"/>
+            <a:ext cx="540060" cy="45719"/>
+          </a:xfrm>
+          <a:prstGeom prst="rightArrow">
+            <a:avLst/>
+          </a:prstGeom>
+        </p:spPr>
+        <p:style>
+          <a:lnRef idx="2">
+            <a:schemeClr val="accent1">
+              <a:shade val="50000"/>
+            </a:schemeClr>
+          </a:lnRef>
+          <a:fillRef idx="1">
+            <a:schemeClr val="accent1"/>
+          </a:fillRef>
+          <a:effectRef idx="0">
+            <a:schemeClr val="accent1"/>
+          </a:effectRef>
+          <a:fontRef idx="minor">
+            <a:schemeClr val="lt1"/>
+          </a:fontRef>
+        </p:style>
+        <p:txBody>
+          <a:bodyPr rtlCol="0" anchor="ctr"/>
+          <a:lstStyle/>
+          <a:p>
+            <a:pPr algn="ctr"/>
+            <a:endParaRPr lang="zh-CN" altLang="en-US"/>
+          </a:p>
+        </p:txBody>
+      </p:sp>
+      <p:sp>
+        <p:nvSpPr>
+          <p:cNvPr id="10" name="圆角矩形 9"/>
+          <p:cNvSpPr/>
+          <p:nvPr/>
+        </p:nvSpPr>
+        <p:spPr>
+          <a:xfrm>
+            <a:off x="1835696" y="3537012"/>
+            <a:ext cx="4968552" cy="468052"/>
+          </a:xfrm>
+          <a:prstGeom prst="roundRect">
+            <a:avLst/>
+          </a:prstGeom>
+        </p:spPr>
+        <p:style>
+          <a:lnRef idx="2">
+            <a:schemeClr val="accent1">
+              <a:shade val="50000"/>
+            </a:schemeClr>
+          </a:lnRef>
+          <a:fillRef idx="1">
+            <a:schemeClr val="accent1"/>
+          </a:fillRef>
+          <a:effectRef idx="0">
+            <a:schemeClr val="accent1"/>
+          </a:effectRef>
+          <a:fontRef idx="minor">
+            <a:schemeClr val="lt1"/>
+          </a:fontRef>
+        </p:style>
+        <p:txBody>
+          <a:bodyPr rtlCol="0" anchor="ctr"/>
+          <a:lstStyle/>
+          <a:p>
+            <a:pPr algn="ctr"/>
+            <a:r>
+              <a:rPr lang="en-US" altLang="zh-CN" dirty="0" smtClean="0"/>
+              <a:t>DAO</a:t>
+            </a:r>
+            <a:r>
+              <a:rPr lang="zh-CN" altLang="en-US" dirty="0" smtClean="0"/>
+              <a:t>层</a:t>
+            </a:r>
+            <a:endParaRPr lang="zh-CN" altLang="en-US" dirty="0"/>
+          </a:p>
+        </p:txBody>
+      </p:sp>
+      <p:sp>
+        <p:nvSpPr>
+          <p:cNvPr id="13" name="圆角矩形 12"/>
+          <p:cNvSpPr/>
+          <p:nvPr/>
+        </p:nvSpPr>
+        <p:spPr>
+          <a:xfrm>
+            <a:off x="1835696" y="2816932"/>
+            <a:ext cx="4968552" cy="468052"/>
+          </a:xfrm>
+          <a:prstGeom prst="roundRect">
+            <a:avLst/>
+          </a:prstGeom>
+        </p:spPr>
+        <p:style>
+          <a:lnRef idx="2">
+            <a:schemeClr val="accent1">
+              <a:shade val="50000"/>
+            </a:schemeClr>
+          </a:lnRef>
+          <a:fillRef idx="1">
+            <a:schemeClr val="accent1"/>
+          </a:fillRef>
+          <a:effectRef idx="0">
+            <a:schemeClr val="accent1"/>
+          </a:effectRef>
+          <a:fontRef idx="minor">
+            <a:schemeClr val="lt1"/>
+          </a:fontRef>
+        </p:style>
+        <p:txBody>
+          <a:bodyPr rtlCol="0" anchor="ctr"/>
+          <a:lstStyle/>
+          <a:p>
+            <a:pPr algn="ctr"/>
+            <a:r>
+              <a:rPr lang="en-US" altLang="zh-CN" dirty="0" smtClean="0"/>
+              <a:t>service</a:t>
+            </a:r>
+            <a:r>
+              <a:rPr lang="zh-CN" altLang="en-US" dirty="0" smtClean="0"/>
+              <a:t>层</a:t>
+            </a:r>
+            <a:endParaRPr lang="zh-CN" altLang="en-US" dirty="0"/>
+          </a:p>
+        </p:txBody>
+      </p:sp>
+      <p:sp>
+        <p:nvSpPr>
+          <p:cNvPr id="14" name="圆角矩形 13"/>
+          <p:cNvSpPr/>
+          <p:nvPr/>
+        </p:nvSpPr>
+        <p:spPr>
+          <a:xfrm>
+            <a:off x="5508104" y="2816932"/>
+            <a:ext cx="1296144" cy="468052"/>
+          </a:xfrm>
+          <a:prstGeom prst="roundRect">
+            <a:avLst/>
+          </a:prstGeom>
+          <a:solidFill>
+            <a:schemeClr val="accent5">
+              <a:lumMod val="40000"/>
+              <a:lumOff val="60000"/>
+            </a:schemeClr>
+          </a:solidFill>
+        </p:spPr>
+        <p:style>
+          <a:lnRef idx="2">
+            <a:schemeClr val="accent1">
+              <a:shade val="50000"/>
+            </a:schemeClr>
+          </a:lnRef>
+          <a:fillRef idx="1">
+            <a:schemeClr val="accent1"/>
+          </a:fillRef>
+          <a:effectRef idx="0">
+            <a:schemeClr val="accent1"/>
+          </a:effectRef>
+          <a:fontRef idx="minor">
+            <a:schemeClr val="lt1"/>
+          </a:fontRef>
+        </p:style>
+        <p:txBody>
+          <a:bodyPr rtlCol="0" anchor="ctr"/>
+          <a:lstStyle/>
+          <a:p>
+            <a:pPr algn="ctr"/>
+            <a:r>
+              <a:rPr lang="en-US" altLang="zh-CN" sz="1200" b="1" dirty="0" err="1" smtClean="0">
+                <a:solidFill>
+                  <a:schemeClr val="tx1"/>
+                </a:solidFill>
+              </a:rPr>
+              <a:t>EHcache</a:t>
+            </a:r>
+            <a:r>
+              <a:rPr lang="zh-CN" altLang="en-US" sz="1200" b="1" dirty="0" smtClean="0">
+                <a:solidFill>
+                  <a:schemeClr val="tx1"/>
+                </a:solidFill>
+              </a:rPr>
+              <a:t>缓存</a:t>
+            </a:r>
+            <a:endParaRPr lang="zh-CN" altLang="en-US" sz="1200" b="1" dirty="0">
+              <a:solidFill>
+                <a:schemeClr val="tx1"/>
+              </a:solidFill>
+            </a:endParaRPr>
+          </a:p>
+        </p:txBody>
+      </p:sp>
+      <p:sp>
+        <p:nvSpPr>
+          <p:cNvPr id="15" name="圆角矩形 14"/>
+          <p:cNvSpPr/>
+          <p:nvPr/>
+        </p:nvSpPr>
+        <p:spPr>
+          <a:xfrm>
+            <a:off x="1835696" y="2240868"/>
+            <a:ext cx="864096" cy="360040"/>
+          </a:xfrm>
+          <a:prstGeom prst="roundRect">
+            <a:avLst/>
+          </a:prstGeom>
+        </p:spPr>
+        <p:style>
+          <a:lnRef idx="2">
+            <a:schemeClr val="accent1">
+              <a:shade val="50000"/>
+            </a:schemeClr>
+          </a:lnRef>
+          <a:fillRef idx="1">
+            <a:schemeClr val="accent1"/>
+          </a:fillRef>
+          <a:effectRef idx="0">
+            <a:schemeClr val="accent1"/>
+          </a:effectRef>
+          <a:fontRef idx="minor">
+            <a:schemeClr val="lt1"/>
+          </a:fontRef>
+        </p:style>
+        <p:txBody>
+          <a:bodyPr rtlCol="0" anchor="ctr"/>
+          <a:lstStyle/>
+          <a:p>
+            <a:pPr algn="ctr"/>
+            <a:r>
+              <a:rPr lang="zh-CN" altLang="en-US" sz="1200" dirty="0" smtClean="0"/>
+              <a:t>权限管理</a:t>
+            </a:r>
+            <a:endParaRPr lang="zh-CN" altLang="en-US" sz="1200" dirty="0"/>
+          </a:p>
+        </p:txBody>
+      </p:sp>
+      <p:sp>
+        <p:nvSpPr>
+          <p:cNvPr id="16" name="圆角矩形 15"/>
+          <p:cNvSpPr/>
+          <p:nvPr/>
+        </p:nvSpPr>
+        <p:spPr>
+          <a:xfrm>
+            <a:off x="2843808" y="2253072"/>
+            <a:ext cx="828092" cy="360040"/>
+          </a:xfrm>
+          <a:prstGeom prst="roundRect">
+            <a:avLst/>
+          </a:prstGeom>
+        </p:spPr>
+        <p:style>
+          <a:lnRef idx="2">
+            <a:schemeClr val="accent1">
+              <a:shade val="50000"/>
+            </a:schemeClr>
+          </a:lnRef>
+          <a:fillRef idx="1">
+            <a:schemeClr val="accent1"/>
+          </a:fillRef>
+          <a:effectRef idx="0">
+            <a:schemeClr val="accent1"/>
+          </a:effectRef>
+          <a:fontRef idx="minor">
+            <a:schemeClr val="lt1"/>
+          </a:fontRef>
+        </p:style>
+        <p:txBody>
+          <a:bodyPr rtlCol="0" anchor="ctr"/>
+          <a:lstStyle/>
+          <a:p>
+            <a:pPr algn="ctr"/>
+            <a:r>
+              <a:rPr lang="zh-CN" altLang="en-US" sz="1200" dirty="0"/>
+              <a:t>用户</a:t>
+            </a:r>
+            <a:r>
+              <a:rPr lang="zh-CN" altLang="en-US" sz="1200" dirty="0" smtClean="0"/>
+              <a:t>管理</a:t>
+            </a:r>
+            <a:endParaRPr lang="zh-CN" altLang="en-US" sz="1200" dirty="0"/>
+          </a:p>
+        </p:txBody>
+      </p:sp>
+      <p:sp>
+        <p:nvSpPr>
+          <p:cNvPr id="17" name="圆角矩形 16"/>
+          <p:cNvSpPr/>
+          <p:nvPr/>
+        </p:nvSpPr>
+        <p:spPr>
+          <a:xfrm>
+            <a:off x="3851920" y="2253072"/>
+            <a:ext cx="882098" cy="360040"/>
+          </a:xfrm>
+          <a:prstGeom prst="roundRect">
+            <a:avLst/>
+          </a:prstGeom>
+        </p:spPr>
+        <p:style>
+          <a:lnRef idx="2">
+            <a:schemeClr val="accent1">
+              <a:shade val="50000"/>
+            </a:schemeClr>
+          </a:lnRef>
+          <a:fillRef idx="1">
+            <a:schemeClr val="accent1"/>
+          </a:fillRef>
+          <a:effectRef idx="0">
+            <a:schemeClr val="accent1"/>
+          </a:effectRef>
+          <a:fontRef idx="minor">
+            <a:schemeClr val="lt1"/>
+          </a:fontRef>
+        </p:style>
+        <p:txBody>
+          <a:bodyPr rtlCol="0" anchor="ctr"/>
+          <a:lstStyle/>
+          <a:p>
+            <a:pPr algn="ctr"/>
+            <a:r>
+              <a:rPr lang="zh-CN" altLang="en-US" sz="1200" dirty="0"/>
+              <a:t>组织</a:t>
+            </a:r>
+            <a:r>
+              <a:rPr lang="zh-CN" altLang="en-US" sz="1200" dirty="0" smtClean="0"/>
+              <a:t>管理</a:t>
+            </a:r>
+            <a:endParaRPr lang="zh-CN" altLang="en-US" sz="1200" dirty="0"/>
+          </a:p>
+        </p:txBody>
+      </p:sp>
+      <p:sp>
+        <p:nvSpPr>
+          <p:cNvPr id="18" name="圆角矩形 17"/>
+          <p:cNvSpPr/>
+          <p:nvPr/>
+        </p:nvSpPr>
+        <p:spPr>
+          <a:xfrm>
+            <a:off x="4932040" y="2253072"/>
+            <a:ext cx="828092" cy="360040"/>
+          </a:xfrm>
+          <a:prstGeom prst="roundRect">
+            <a:avLst/>
+          </a:prstGeom>
+        </p:spPr>
+        <p:style>
+          <a:lnRef idx="2">
+            <a:schemeClr val="accent1">
+              <a:shade val="50000"/>
+            </a:schemeClr>
+          </a:lnRef>
+          <a:fillRef idx="1">
+            <a:schemeClr val="accent1"/>
+          </a:fillRef>
+          <a:effectRef idx="0">
+            <a:schemeClr val="accent1"/>
+          </a:effectRef>
+          <a:fontRef idx="minor">
+            <a:schemeClr val="lt1"/>
+          </a:fontRef>
+        </p:style>
+        <p:txBody>
+          <a:bodyPr rtlCol="0" anchor="ctr"/>
+          <a:lstStyle/>
+          <a:p>
+            <a:pPr algn="ctr"/>
+            <a:r>
+              <a:rPr lang="zh-CN" altLang="en-US" sz="1200" dirty="0" smtClean="0"/>
+              <a:t>并发控制</a:t>
+            </a:r>
+            <a:endParaRPr lang="zh-CN" altLang="en-US" sz="1200" dirty="0"/>
+          </a:p>
+        </p:txBody>
+      </p:sp>
+      <p:sp>
+        <p:nvSpPr>
+          <p:cNvPr id="19" name="圆角矩形 18"/>
+          <p:cNvSpPr/>
+          <p:nvPr/>
+        </p:nvSpPr>
+        <p:spPr>
+          <a:xfrm>
+            <a:off x="6156176" y="2253072"/>
+            <a:ext cx="648072" cy="360040"/>
+          </a:xfrm>
+          <a:prstGeom prst="roundRect">
+            <a:avLst/>
+          </a:prstGeom>
+        </p:spPr>
+        <p:style>
+          <a:lnRef idx="2">
+            <a:schemeClr val="accent1">
+              <a:shade val="50000"/>
+            </a:schemeClr>
+          </a:lnRef>
+          <a:fillRef idx="1">
+            <a:schemeClr val="accent1"/>
+          </a:fillRef>
+          <a:effectRef idx="0">
+            <a:schemeClr val="accent1"/>
+          </a:effectRef>
+          <a:fontRef idx="minor">
+            <a:schemeClr val="lt1"/>
+          </a:fontRef>
+        </p:style>
+        <p:txBody>
+          <a:bodyPr rtlCol="0" anchor="ctr"/>
+          <a:lstStyle/>
+          <a:p>
+            <a:pPr algn="ctr"/>
+            <a:r>
+              <a:rPr lang="en-US" altLang="zh-CN" sz="1200" dirty="0" err="1" smtClean="0"/>
+              <a:t>redis</a:t>
+            </a:r>
+            <a:endParaRPr lang="zh-CN" altLang="en-US" sz="1200" dirty="0"/>
+          </a:p>
+        </p:txBody>
+      </p:sp>
+      <p:sp>
+        <p:nvSpPr>
+          <p:cNvPr id="20" name="左右箭头 19"/>
+          <p:cNvSpPr/>
+          <p:nvPr/>
+        </p:nvSpPr>
+        <p:spPr>
+          <a:xfrm>
+            <a:off x="5868144" y="2384884"/>
+            <a:ext cx="153144" cy="48208"/>
+          </a:xfrm>
+          <a:prstGeom prst="leftRightArrow">
+            <a:avLst/>
+          </a:prstGeom>
+        </p:spPr>
+        <p:style>
+          <a:lnRef idx="2">
+            <a:schemeClr val="accent1">
+              <a:shade val="50000"/>
+            </a:schemeClr>
+          </a:lnRef>
+          <a:fillRef idx="1">
+            <a:schemeClr val="accent1"/>
+          </a:fillRef>
+          <a:effectRef idx="0">
+            <a:schemeClr val="accent1"/>
+          </a:effectRef>
+          <a:fontRef idx="minor">
+            <a:schemeClr val="lt1"/>
+          </a:fontRef>
+        </p:style>
+        <p:txBody>
+          <a:bodyPr rtlCol="0" anchor="ctr"/>
+          <a:lstStyle/>
+          <a:p>
+            <a:pPr algn="ctr"/>
+            <a:endParaRPr lang="zh-CN" altLang="en-US"/>
+          </a:p>
+        </p:txBody>
+      </p:sp>
+      <p:sp>
+        <p:nvSpPr>
+          <p:cNvPr id="21" name="圆角矩形 20"/>
+          <p:cNvSpPr/>
+          <p:nvPr/>
+        </p:nvSpPr>
+        <p:spPr>
+          <a:xfrm>
+            <a:off x="1808693" y="1628800"/>
+            <a:ext cx="4968552" cy="360040"/>
+          </a:xfrm>
+          <a:prstGeom prst="roundRect">
+            <a:avLst/>
+          </a:prstGeom>
+        </p:spPr>
+        <p:style>
+          <a:lnRef idx="2">
+            <a:schemeClr val="accent1">
+              <a:shade val="50000"/>
+            </a:schemeClr>
+          </a:lnRef>
+          <a:fillRef idx="1">
+            <a:schemeClr val="accent1"/>
+          </a:fillRef>
+          <a:effectRef idx="0">
+            <a:schemeClr val="accent1"/>
+          </a:effectRef>
+          <a:fontRef idx="minor">
+            <a:schemeClr val="lt1"/>
+          </a:fontRef>
+        </p:style>
+        <p:txBody>
+          <a:bodyPr rtlCol="0" anchor="ctr"/>
+          <a:lstStyle/>
+          <a:p>
+            <a:pPr algn="ctr"/>
+            <a:r>
+              <a:rPr lang="zh-CN" altLang="en-US" dirty="0" smtClean="0"/>
+              <a:t>负载均衡</a:t>
+            </a:r>
+            <a:r>
+              <a:rPr lang="en-US" altLang="zh-CN" dirty="0" smtClean="0"/>
+              <a:t>-</a:t>
+            </a:r>
+            <a:r>
+              <a:rPr lang="en-US" altLang="zh-CN" dirty="0" err="1" smtClean="0"/>
+              <a:t>Nginx</a:t>
+            </a:r>
+            <a:endParaRPr lang="zh-CN" altLang="en-US" dirty="0"/>
+          </a:p>
+        </p:txBody>
+      </p:sp>
+    </p:spTree>
+    <p:extLst>
+      <p:ext uri="{BB962C8B-B14F-4D97-AF65-F5344CB8AC3E}">
+        <p14:creationId xmlns:p14="http://schemas.microsoft.com/office/powerpoint/2010/main" val="2444624519"/>
+      </p:ext>
+    </p:extLst>
   </p:cSld>
   <p:clrMapOvr>
     <a:masterClrMapping/>
